--- a/MY_Learnbay_ppt.pptx
+++ b/MY_Learnbay_ppt.pptx
@@ -121,6 +121,11 @@
       </a:defRPr>
     </a:lvl9pPr>
   </p:defaultTextStyle>
+  <p:extLst>
+    <p:ext uri="{EFAFB233-063F-42B5-8137-9DF3F51BA10A}">
+      <p15:sldGuideLst xmlns:p15="http://schemas.microsoft.com/office/powerpoint/2012/main"/>
+    </p:ext>
+  </p:extLst>
 </p:presentation>
 </file>
 
@@ -206,7 +211,7 @@
           <a:p>
             <a:fld id="{6488FBE1-1B1F-4721-8C3A-2563339C5B1C}" type="datetimeFigureOut">
               <a:rPr lang="en-IN" smtClean="0"/>
-              <a:t>05-10-2023</a:t>
+              <a:t>22-09-2024</a:t>
             </a:fld>
             <a:endParaRPr lang="en-IN"/>
           </a:p>
@@ -1377,7 +1382,7 @@
           <a:p>
             <a:fld id="{367A8B0E-8E2A-4510-8929-8996FD689F17}" type="datetimeFigureOut">
               <a:rPr lang="en-IN" smtClean="0"/>
-              <a:t>05-10-2023</a:t>
+              <a:t>22-09-2024</a:t>
             </a:fld>
             <a:endParaRPr lang="en-IN"/>
           </a:p>
@@ -1692,7 +1697,7 @@
           <a:p>
             <a:fld id="{367A8B0E-8E2A-4510-8929-8996FD689F17}" type="datetimeFigureOut">
               <a:rPr lang="en-IN" smtClean="0"/>
-              <a:t>05-10-2023</a:t>
+              <a:t>22-09-2024</a:t>
             </a:fld>
             <a:endParaRPr lang="en-IN"/>
           </a:p>
@@ -1914,7 +1919,7 @@
           <a:p>
             <a:fld id="{367A8B0E-8E2A-4510-8929-8996FD689F17}" type="datetimeFigureOut">
               <a:rPr lang="en-IN" smtClean="0"/>
-              <a:t>05-10-2023</a:t>
+              <a:t>22-09-2024</a:t>
             </a:fld>
             <a:endParaRPr lang="en-IN"/>
           </a:p>
@@ -2205,7 +2210,7 @@
           <a:p>
             <a:fld id="{367A8B0E-8E2A-4510-8929-8996FD689F17}" type="datetimeFigureOut">
               <a:rPr lang="en-IN" smtClean="0"/>
-              <a:t>05-10-2023</a:t>
+              <a:t>22-09-2024</a:t>
             </a:fld>
             <a:endParaRPr lang="en-IN"/>
           </a:p>
@@ -2659,7 +2664,7 @@
           <a:p>
             <a:fld id="{367A8B0E-8E2A-4510-8929-8996FD689F17}" type="datetimeFigureOut">
               <a:rPr lang="en-IN" smtClean="0"/>
-              <a:t>05-10-2023</a:t>
+              <a:t>22-09-2024</a:t>
             </a:fld>
             <a:endParaRPr lang="en-IN"/>
           </a:p>
@@ -3235,7 +3240,7 @@
           <a:p>
             <a:fld id="{367A8B0E-8E2A-4510-8929-8996FD689F17}" type="datetimeFigureOut">
               <a:rPr lang="en-IN" smtClean="0"/>
-              <a:t>05-10-2023</a:t>
+              <a:t>22-09-2024</a:t>
             </a:fld>
             <a:endParaRPr lang="en-IN"/>
           </a:p>
@@ -4096,7 +4101,7 @@
           <a:p>
             <a:fld id="{367A8B0E-8E2A-4510-8929-8996FD689F17}" type="datetimeFigureOut">
               <a:rPr lang="en-IN" smtClean="0"/>
-              <a:t>05-10-2023</a:t>
+              <a:t>22-09-2024</a:t>
             </a:fld>
             <a:endParaRPr lang="en-IN"/>
           </a:p>
@@ -4301,7 +4306,7 @@
           <a:p>
             <a:fld id="{367A8B0E-8E2A-4510-8929-8996FD689F17}" type="datetimeFigureOut">
               <a:rPr lang="en-IN" smtClean="0"/>
-              <a:t>05-10-2023</a:t>
+              <a:t>22-09-2024</a:t>
             </a:fld>
             <a:endParaRPr lang="en-IN"/>
           </a:p>
@@ -4515,7 +4520,7 @@
           <a:p>
             <a:fld id="{367A8B0E-8E2A-4510-8929-8996FD689F17}" type="datetimeFigureOut">
               <a:rPr lang="en-IN" smtClean="0"/>
-              <a:t>05-10-2023</a:t>
+              <a:t>22-09-2024</a:t>
             </a:fld>
             <a:endParaRPr lang="en-IN"/>
           </a:p>
@@ -4685,7 +4690,7 @@
           <a:p>
             <a:fld id="{367A8B0E-8E2A-4510-8929-8996FD689F17}" type="datetimeFigureOut">
               <a:rPr lang="en-IN" smtClean="0"/>
-              <a:t>05-10-2023</a:t>
+              <a:t>22-09-2024</a:t>
             </a:fld>
             <a:endParaRPr lang="en-IN"/>
           </a:p>
@@ -4890,7 +4895,7 @@
           <a:p>
             <a:fld id="{367A8B0E-8E2A-4510-8929-8996FD689F17}" type="datetimeFigureOut">
               <a:rPr lang="en-IN" smtClean="0"/>
-              <a:t>05-10-2023</a:t>
+              <a:t>22-09-2024</a:t>
             </a:fld>
             <a:endParaRPr lang="en-IN"/>
           </a:p>
@@ -5170,7 +5175,7 @@
           <a:p>
             <a:fld id="{367A8B0E-8E2A-4510-8929-8996FD689F17}" type="datetimeFigureOut">
               <a:rPr lang="en-IN" smtClean="0"/>
-              <a:t>05-10-2023</a:t>
+              <a:t>22-09-2024</a:t>
             </a:fld>
             <a:endParaRPr lang="en-IN"/>
           </a:p>
@@ -5437,7 +5442,7 @@
           <a:p>
             <a:fld id="{367A8B0E-8E2A-4510-8929-8996FD689F17}" type="datetimeFigureOut">
               <a:rPr lang="en-IN" smtClean="0"/>
-              <a:t>05-10-2023</a:t>
+              <a:t>22-09-2024</a:t>
             </a:fld>
             <a:endParaRPr lang="en-IN"/>
           </a:p>
@@ -5852,7 +5857,7 @@
           <a:p>
             <a:fld id="{367A8B0E-8E2A-4510-8929-8996FD689F17}" type="datetimeFigureOut">
               <a:rPr lang="en-IN" smtClean="0"/>
-              <a:t>05-10-2023</a:t>
+              <a:t>22-09-2024</a:t>
             </a:fld>
             <a:endParaRPr lang="en-IN"/>
           </a:p>
@@ -6000,7 +6005,7 @@
           <a:p>
             <a:fld id="{367A8B0E-8E2A-4510-8929-8996FD689F17}" type="datetimeFigureOut">
               <a:rPr lang="en-IN" smtClean="0"/>
-              <a:t>05-10-2023</a:t>
+              <a:t>22-09-2024</a:t>
             </a:fld>
             <a:endParaRPr lang="en-IN"/>
           </a:p>
@@ -6125,7 +6130,7 @@
           <a:p>
             <a:fld id="{367A8B0E-8E2A-4510-8929-8996FD689F17}" type="datetimeFigureOut">
               <a:rPr lang="en-IN" smtClean="0"/>
-              <a:t>05-10-2023</a:t>
+              <a:t>22-09-2024</a:t>
             </a:fld>
             <a:endParaRPr lang="en-IN"/>
           </a:p>
@@ -6404,7 +6409,7 @@
           <a:p>
             <a:fld id="{367A8B0E-8E2A-4510-8929-8996FD689F17}" type="datetimeFigureOut">
               <a:rPr lang="en-IN" smtClean="0"/>
-              <a:t>05-10-2023</a:t>
+              <a:t>22-09-2024</a:t>
             </a:fld>
             <a:endParaRPr lang="en-IN"/>
           </a:p>
@@ -6719,7 +6724,7 @@
           <a:p>
             <a:fld id="{367A8B0E-8E2A-4510-8929-8996FD689F17}" type="datetimeFigureOut">
               <a:rPr lang="en-IN" smtClean="0"/>
-              <a:t>05-10-2023</a:t>
+              <a:t>22-09-2024</a:t>
             </a:fld>
             <a:endParaRPr lang="en-IN"/>
           </a:p>
@@ -6972,7 +6977,7 @@
           <a:p>
             <a:fld id="{367A8B0E-8E2A-4510-8929-8996FD689F17}" type="datetimeFigureOut">
               <a:rPr lang="en-IN" smtClean="0"/>
-              <a:t>05-10-2023</a:t>
+              <a:t>22-09-2024</a:t>
             </a:fld>
             <a:endParaRPr lang="en-IN"/>
           </a:p>
@@ -7463,10 +7468,10 @@
       </p:sp>
       <p:sp>
         <p:nvSpPr>
-          <p:cNvPr id="3" name="Subtitle 2">
+          <p:cNvPr id="5" name="Subtitle 4">
             <a:extLst>
               <a:ext uri="{FF2B5EF4-FFF2-40B4-BE49-F238E27FC236}">
-                <a16:creationId xmlns:a16="http://schemas.microsoft.com/office/drawing/2014/main" id="{BDC6F681-A6C7-E001-D7BF-3FFA9C409984}"/>
+                <a16:creationId xmlns:a16="http://schemas.microsoft.com/office/drawing/2014/main" id="{D4535B8C-8193-1397-801D-D7642B9F0086}"/>
               </a:ext>
             </a:extLst>
           </p:cNvPr>
@@ -7477,47 +7482,16 @@
             <p:ph type="subTitle" idx="1"/>
           </p:nvPr>
         </p:nvSpPr>
-        <p:spPr>
-          <a:xfrm>
-            <a:off x="1608841" y="3412164"/>
-            <a:ext cx="9144000" cy="688836"/>
-          </a:xfrm>
-        </p:spPr>
-        <p:txBody>
-          <a:bodyPr>
-            <a:normAutofit fontScale="92500"/>
-          </a:bodyPr>
+        <p:spPr/>
+        <p:txBody>
+          <a:bodyPr/>
           <a:lstStyle/>
           <a:p>
             <a:r>
-              <a:rPr lang="en-GB" sz="3200" b="1" dirty="0">
-                <a:solidFill>
-                  <a:schemeClr val="accent1"/>
-                </a:solidFill>
-              </a:rPr>
-              <a:t>Batch -8</a:t>
-            </a:r>
-            <a:r>
-              <a:rPr lang="en-GB" sz="3200" b="1" baseline="30000" dirty="0">
-                <a:solidFill>
-                  <a:schemeClr val="accent1"/>
-                </a:solidFill>
-              </a:rPr>
-              <a:t>th</a:t>
-            </a:r>
-            <a:r>
-              <a:rPr lang="en-GB" sz="3200" b="1" dirty="0">
-                <a:solidFill>
-                  <a:schemeClr val="accent1"/>
-                </a:solidFill>
-              </a:rPr>
-              <a:t> July :Data Science Foundation Course </a:t>
-            </a:r>
-            <a:endParaRPr lang="en-IN" sz="3200" b="1" dirty="0">
-              <a:solidFill>
-                <a:schemeClr val="accent1"/>
-              </a:solidFill>
-            </a:endParaRPr>
+              <a:rPr lang="en-GB" dirty="0"/>
+              <a:t>Data Science Project</a:t>
+            </a:r>
+            <a:endParaRPr lang="en-IN" dirty="0"/>
           </a:p>
         </p:txBody>
       </p:sp>
